--- a/anyuploadflow.pptx
+++ b/anyuploadflow.pptx
@@ -3649,14 +3649,7 @@
                 <a:latin typeface="微软雅黑" pitchFamily="34" charset="-122"/>
                 <a:ea typeface="微软雅黑" pitchFamily="34" charset="-122"/>
               </a:rPr>
-              <a:t>、秒</a:t>
-            </a:r>
-            <a:r>
-              <a:rPr lang="zh-CN" altLang="en-US" dirty="0" smtClean="0">
-                <a:latin typeface="微软雅黑" pitchFamily="34" charset="-122"/>
-                <a:ea typeface="微软雅黑" pitchFamily="34" charset="-122"/>
-              </a:rPr>
-              <a:t>传；</a:t>
+              <a:t>、秒传；</a:t>
             </a:r>
             <a:r>
               <a:rPr lang="en-US" altLang="zh-CN" dirty="0" smtClean="0">
@@ -3670,14 +3663,7 @@
                 <a:latin typeface="微软雅黑" pitchFamily="34" charset="-122"/>
                 <a:ea typeface="微软雅黑" pitchFamily="34" charset="-122"/>
               </a:rPr>
-              <a:t>、下</a:t>
-            </a:r>
-            <a:r>
-              <a:rPr lang="zh-CN" altLang="en-US" dirty="0" smtClean="0">
-                <a:latin typeface="微软雅黑" pitchFamily="34" charset="-122"/>
-                <a:ea typeface="微软雅黑" pitchFamily="34" charset="-122"/>
-              </a:rPr>
-              <a:t>一块的文件</a:t>
+              <a:t>、下一块的文件</a:t>
             </a:r>
             <a:r>
               <a:rPr lang="en-US" altLang="zh-CN" dirty="0" smtClean="0">
@@ -3691,7 +3677,24 @@
                 <a:latin typeface="微软雅黑" pitchFamily="34" charset="-122"/>
                 <a:ea typeface="微软雅黑" pitchFamily="34" charset="-122"/>
               </a:rPr>
-              <a:t>、起始位置、长度、等待时间；</a:t>
+              <a:t>、起始位置、长度、</a:t>
+            </a:r>
+            <a:r>
+              <a:rPr lang="zh-CN" altLang="en-US" dirty="0" smtClean="0">
+                <a:solidFill>
+                  <a:srgbClr val="C00000"/>
+                </a:solidFill>
+                <a:latin typeface="微软雅黑" pitchFamily="34" charset="-122"/>
+                <a:ea typeface="微软雅黑" pitchFamily="34" charset="-122"/>
+              </a:rPr>
+              <a:t>等待时间</a:t>
+            </a:r>
+            <a:r>
+              <a:rPr lang="zh-CN" altLang="en-US" dirty="0" smtClean="0">
+                <a:latin typeface="微软雅黑" pitchFamily="34" charset="-122"/>
+                <a:ea typeface="微软雅黑" pitchFamily="34" charset="-122"/>
+              </a:rPr>
+              <a:t>；</a:t>
             </a:r>
             <a:r>
               <a:rPr lang="en-US" altLang="zh-CN" dirty="0" smtClean="0">
